--- a/well, this is mine/DONE/presentation/presentation.pptx
+++ b/well, this is mine/DONE/presentation/presentation.pptx
@@ -2443,7 +2443,7 @@
             <a:fld id="{B61BEF0D-F0BB-DE4B-95CE-6DB70DBA9567}" type="datetimeFigureOut">
               <a:rPr lang="en-US" smtClean="0"/>
               <a:pPr/>
-              <a:t>4/26/2023</a:t>
+              <a:t>4/27/2023</a:t>
             </a:fld>
             <a:endParaRPr lang="en-US" dirty="0"/>
           </a:p>
@@ -2720,7 +2720,7 @@
             <a:fld id="{B61BEF0D-F0BB-DE4B-95CE-6DB70DBA9567}" type="datetimeFigureOut">
               <a:rPr lang="en-US" smtClean="0"/>
               <a:pPr/>
-              <a:t>4/26/2023</a:t>
+              <a:t>4/27/2023</a:t>
             </a:fld>
             <a:endParaRPr lang="en-US" dirty="0"/>
           </a:p>
@@ -2916,7 +2916,7 @@
             <a:fld id="{B61BEF0D-F0BB-DE4B-95CE-6DB70DBA9567}" type="datetimeFigureOut">
               <a:rPr lang="en-US" smtClean="0"/>
               <a:pPr/>
-              <a:t>4/26/2023</a:t>
+              <a:t>4/27/2023</a:t>
             </a:fld>
             <a:endParaRPr lang="en-US" dirty="0"/>
           </a:p>
@@ -3191,7 +3191,7 @@
             <a:fld id="{B61BEF0D-F0BB-DE4B-95CE-6DB70DBA9567}" type="datetimeFigureOut">
               <a:rPr lang="en-US" smtClean="0"/>
               <a:pPr/>
-              <a:t>4/26/2023</a:t>
+              <a:t>4/27/2023</a:t>
             </a:fld>
             <a:endParaRPr lang="en-US" dirty="0"/>
           </a:p>
@@ -3534,7 +3534,7 @@
             <a:fld id="{B61BEF0D-F0BB-DE4B-95CE-6DB70DBA9567}" type="datetimeFigureOut">
               <a:rPr lang="en-US" smtClean="0"/>
               <a:pPr/>
-              <a:t>4/26/2023</a:t>
+              <a:t>4/27/2023</a:t>
             </a:fld>
             <a:endParaRPr lang="en-US" dirty="0"/>
           </a:p>
@@ -4159,7 +4159,7 @@
             <a:fld id="{B61BEF0D-F0BB-DE4B-95CE-6DB70DBA9567}" type="datetimeFigureOut">
               <a:rPr lang="en-US" smtClean="0"/>
               <a:pPr/>
-              <a:t>4/26/2023</a:t>
+              <a:t>4/27/2023</a:t>
             </a:fld>
             <a:endParaRPr lang="en-US" dirty="0"/>
           </a:p>
@@ -5021,7 +5021,7 @@
             <a:fld id="{B61BEF0D-F0BB-DE4B-95CE-6DB70DBA9567}" type="datetimeFigureOut">
               <a:rPr lang="en-US" smtClean="0"/>
               <a:pPr/>
-              <a:t>4/26/2023</a:t>
+              <a:t>4/27/2023</a:t>
             </a:fld>
             <a:endParaRPr lang="en-US" dirty="0"/>
           </a:p>
@@ -5192,7 +5192,7 @@
           <a:p>
             <a:fld id="{55C6B4A9-1611-4792-9094-5F34BCA07E0B}" type="datetimeFigureOut">
               <a:rPr lang="en-US" smtClean="0"/>
-              <a:t>4/26/2023</a:t>
+              <a:t>4/27/2023</a:t>
             </a:fld>
             <a:endParaRPr lang="en-US" dirty="0"/>
           </a:p>
@@ -5373,7 +5373,7 @@
             <a:fld id="{B61BEF0D-F0BB-DE4B-95CE-6DB70DBA9567}" type="datetimeFigureOut">
               <a:rPr lang="en-US" smtClean="0"/>
               <a:pPr/>
-              <a:t>4/26/2023</a:t>
+              <a:t>4/27/2023</a:t>
             </a:fld>
             <a:endParaRPr lang="en-US" dirty="0"/>
           </a:p>
@@ -5544,7 +5544,7 @@
           <a:p>
             <a:fld id="{42A54C80-263E-416B-A8E0-580EDEADCBDC}" type="datetimeFigureOut">
               <a:rPr lang="en-US" smtClean="0"/>
-              <a:t>4/26/2023</a:t>
+              <a:t>4/27/2023</a:t>
             </a:fld>
             <a:endParaRPr lang="en-US" dirty="0"/>
           </a:p>
@@ -5792,7 +5792,7 @@
             <a:fld id="{B61BEF0D-F0BB-DE4B-95CE-6DB70DBA9567}" type="datetimeFigureOut">
               <a:rPr lang="en-US" smtClean="0"/>
               <a:pPr/>
-              <a:t>4/26/2023</a:t>
+              <a:t>4/27/2023</a:t>
             </a:fld>
             <a:endParaRPr lang="en-US" dirty="0"/>
           </a:p>
@@ -6085,7 +6085,7 @@
           <a:p>
             <a:fld id="{42A54C80-263E-416B-A8E0-580EDEADCBDC}" type="datetimeFigureOut">
               <a:rPr lang="en-US" smtClean="0"/>
-              <a:t>4/26/2023</a:t>
+              <a:t>4/27/2023</a:t>
             </a:fld>
             <a:endParaRPr lang="en-US" dirty="0"/>
           </a:p>
@@ -6530,7 +6530,7 @@
             <a:fld id="{B61BEF0D-F0BB-DE4B-95CE-6DB70DBA9567}" type="datetimeFigureOut">
               <a:rPr lang="en-US" smtClean="0"/>
               <a:pPr/>
-              <a:t>4/26/2023</a:t>
+              <a:t>4/27/2023</a:t>
             </a:fld>
             <a:endParaRPr lang="en-US" dirty="0"/>
           </a:p>
@@ -6650,7 +6650,7 @@
             <a:fld id="{B61BEF0D-F0BB-DE4B-95CE-6DB70DBA9567}" type="datetimeFigureOut">
               <a:rPr lang="en-US" smtClean="0"/>
               <a:pPr/>
-              <a:t>4/26/2023</a:t>
+              <a:t>4/27/2023</a:t>
             </a:fld>
             <a:endParaRPr lang="en-US" dirty="0"/>
           </a:p>
@@ -6747,7 +6747,7 @@
             <a:fld id="{B61BEF0D-F0BB-DE4B-95CE-6DB70DBA9567}" type="datetimeFigureOut">
               <a:rPr lang="en-US" smtClean="0"/>
               <a:pPr/>
-              <a:t>4/26/2023</a:t>
+              <a:t>4/27/2023</a:t>
             </a:fld>
             <a:endParaRPr lang="en-US" dirty="0"/>
           </a:p>
@@ -7027,7 +7027,7 @@
           <a:p>
             <a:fld id="{42A54C80-263E-416B-A8E0-580EDEADCBDC}" type="datetimeFigureOut">
               <a:rPr lang="en-US" smtClean="0"/>
-              <a:t>4/26/2023</a:t>
+              <a:t>4/27/2023</a:t>
             </a:fld>
             <a:endParaRPr lang="en-US" dirty="0"/>
           </a:p>
@@ -7303,7 +7303,7 @@
             <a:fld id="{B61BEF0D-F0BB-DE4B-95CE-6DB70DBA9567}" type="datetimeFigureOut">
               <a:rPr lang="en-US" smtClean="0"/>
               <a:pPr/>
-              <a:t>4/26/2023</a:t>
+              <a:t>4/27/2023</a:t>
             </a:fld>
             <a:endParaRPr lang="en-US" dirty="0"/>
           </a:p>
@@ -7734,7 +7734,7 @@
             <a:fld id="{B61BEF0D-F0BB-DE4B-95CE-6DB70DBA9567}" type="datetimeFigureOut">
               <a:rPr lang="en-US" smtClean="0"/>
               <a:pPr/>
-              <a:t>4/26/2023</a:t>
+              <a:t>4/27/2023</a:t>
             </a:fld>
             <a:endParaRPr lang="en-US" dirty="0"/>
           </a:p>
@@ -8306,11 +8306,32 @@
               </a:rPr>
             </a:br>
             <a:r>
+              <a:rPr lang="ru-RU" sz="2800" u="sng" dirty="0" smtClean="0">
+                <a:latin typeface="Times New Roman" panose="02020603050405020304" pitchFamily="18" charset="0"/>
+                <a:cs typeface="Times New Roman" panose="02020603050405020304" pitchFamily="18" charset="0"/>
+              </a:rPr>
+              <a:t>Проектировани</a:t>
+            </a:r>
+            <a:r>
+              <a:rPr lang="ru-RU" sz="2800" u="sng" dirty="0" smtClean="0">
+                <a:latin typeface="Times New Roman" panose="02020603050405020304" pitchFamily="18" charset="0"/>
+                <a:cs typeface="Times New Roman" panose="02020603050405020304" pitchFamily="18" charset="0"/>
+              </a:rPr>
+              <a:t>е и р</a:t>
+            </a:r>
+            <a:r>
+              <a:rPr lang="ru-RU" sz="2800" u="sng" dirty="0" smtClean="0">
+                <a:latin typeface="Times New Roman" panose="02020603050405020304" pitchFamily="18" charset="0"/>
+                <a:cs typeface="Times New Roman" panose="02020603050405020304" pitchFamily="18" charset="0"/>
+              </a:rPr>
+              <a:t>азработка </a:t>
+            </a:r>
+            <a:r>
               <a:rPr lang="ru-RU" sz="2800" u="sng" dirty="0">
                 <a:latin typeface="Times New Roman" panose="02020603050405020304" pitchFamily="18" charset="0"/>
                 <a:cs typeface="Times New Roman" panose="02020603050405020304" pitchFamily="18" charset="0"/>
               </a:rPr>
-              <a:t>Разработка информационной подсистемы </a:t>
+              <a:t>информационной подсистемы </a:t>
             </a:r>
             <a:r>
               <a:rPr lang="ru-RU" sz="2800" u="sng" dirty="0" smtClean="0">
@@ -8406,52 +8427,22 @@
           <a:lstStyle/>
           <a:p>
             <a:r>
-              <a:rPr lang="ru-RU" i="1" dirty="0" smtClean="0">
-                <a:solidFill>
-                  <a:schemeClr val="bg1">
-                    <a:lumMod val="85000"/>
-                  </a:schemeClr>
-                </a:solidFill>
-              </a:rPr>
+              <a:rPr lang="ru-RU" i="1" dirty="0" smtClean="0"/>
               <a:t>Студент</a:t>
             </a:r>
             <a:r>
-              <a:rPr lang="ru-RU" dirty="0" smtClean="0">
-                <a:solidFill>
-                  <a:schemeClr val="bg1">
-                    <a:lumMod val="85000"/>
-                  </a:schemeClr>
-                </a:solidFill>
-              </a:rPr>
+              <a:rPr lang="ru-RU" dirty="0" smtClean="0"/>
               <a:t>: Ахтамов Вадим Маратович</a:t>
             </a:r>
-            <a:endParaRPr lang="ru-RU" dirty="0">
-              <a:solidFill>
-                <a:schemeClr val="bg1">
-                  <a:lumMod val="85000"/>
-                </a:schemeClr>
-              </a:solidFill>
-            </a:endParaRPr>
-          </a:p>
-          <a:p>
-            <a:r>
-              <a:rPr lang="ru-RU" i="1" dirty="0">
-                <a:solidFill>
-                  <a:schemeClr val="bg1">
-                    <a:lumMod val="85000"/>
-                  </a:schemeClr>
-                </a:solidFill>
-              </a:rPr>
+            <a:endParaRPr lang="ru-RU" dirty="0"/>
+          </a:p>
+          <a:p>
+            <a:r>
+              <a:rPr lang="ru-RU" i="1" dirty="0"/>
               <a:t>Руководитель</a:t>
             </a:r>
             <a:r>
-              <a:rPr lang="ru-RU" dirty="0">
-                <a:solidFill>
-                  <a:schemeClr val="bg1">
-                    <a:lumMod val="85000"/>
-                  </a:schemeClr>
-                </a:solidFill>
-              </a:rPr>
+              <a:rPr lang="ru-RU" dirty="0"/>
               <a:t>: Зяблов Евгений Игоревич </a:t>
             </a:r>
           </a:p>
@@ -8771,8 +8762,8 @@
         </p:blipFill>
         <p:spPr>
           <a:xfrm>
-            <a:off x="423949" y="2127453"/>
-            <a:ext cx="6794628" cy="4195762"/>
+            <a:off x="257695" y="1128592"/>
+            <a:ext cx="9029180" cy="5575624"/>
           </a:xfrm>
         </p:spPr>
       </p:pic>
@@ -9533,12 +9524,36 @@
                 <a:latin typeface="Times New Roman" panose="02020603050405020304" pitchFamily="18" charset="0"/>
                 <a:cs typeface="Times New Roman" panose="02020603050405020304" pitchFamily="18" charset="0"/>
               </a:rPr>
-              <a:t>работы заключается в оптимизации работы предприятия, быстрой подачи еды, за счет разработки информационной подсистемы. Система позволит уменьшить время, потраченное на заказ блюд, а также время на подачу готовой еды. К тому же уменьшиться время поиска данных о поставках. Поможет упростить ведение бумажной документации.</a:t>
-            </a:r>
-            <a:endParaRPr lang="ru-RU" sz="2600" dirty="0">
-              <a:latin typeface="Times New Roman" panose="02020603050405020304" pitchFamily="18" charset="0"/>
-              <a:cs typeface="Times New Roman" panose="02020603050405020304" pitchFamily="18" charset="0"/>
-            </a:endParaRPr>
+              <a:t>работы заключается в оптимизации работы предприятия, быстрой подачи еды, за счет разработки информационной подсистемы. </a:t>
+            </a:r>
+            <a:r>
+              <a:rPr lang="ru-RU" sz="2600" dirty="0" smtClean="0">
+                <a:latin typeface="Times New Roman" panose="02020603050405020304" pitchFamily="18" charset="0"/>
+                <a:cs typeface="Times New Roman" panose="02020603050405020304" pitchFamily="18" charset="0"/>
+              </a:rPr>
+              <a:t>Подсистема </a:t>
+            </a:r>
+            <a:r>
+              <a:rPr lang="ru-RU" sz="2600" dirty="0">
+                <a:latin typeface="Times New Roman" panose="02020603050405020304" pitchFamily="18" charset="0"/>
+                <a:cs typeface="Times New Roman" panose="02020603050405020304" pitchFamily="18" charset="0"/>
+              </a:rPr>
+              <a:t>позволит уменьшить время, потраченное на заказ блюд, а также время на подачу готовой еды. </a:t>
+            </a:r>
+            <a:r>
+              <a:rPr lang="ru-RU" sz="2600" dirty="0" smtClean="0">
+                <a:latin typeface="Times New Roman" panose="02020603050405020304" pitchFamily="18" charset="0"/>
+                <a:cs typeface="Times New Roman" panose="02020603050405020304" pitchFamily="18" charset="0"/>
+              </a:rPr>
+              <a:t>Также </a:t>
+            </a:r>
+            <a:r>
+              <a:rPr lang="ru-RU" sz="2600" dirty="0">
+                <a:latin typeface="Times New Roman" panose="02020603050405020304" pitchFamily="18" charset="0"/>
+                <a:cs typeface="Times New Roman" panose="02020603050405020304" pitchFamily="18" charset="0"/>
+              </a:rPr>
+              <a:t>уменьшиться время поиска данных о поставках. Поможет упростить ведение бумажной документации.</a:t>
+            </a:r>
           </a:p>
         </p:txBody>
       </p:sp>
@@ -9786,14 +9801,7 @@
                 <a:latin typeface="Times New Roman" panose="02020603050405020304" pitchFamily="18" charset="0"/>
                 <a:cs typeface="Times New Roman" panose="02020603050405020304" pitchFamily="18" charset="0"/>
               </a:rPr>
-              <a:t>особенностей подачи </a:t>
-            </a:r>
-            <a:r>
-              <a:rPr lang="ru-RU" sz="2200" dirty="0" smtClean="0">
-                <a:latin typeface="Times New Roman" panose="02020603050405020304" pitchFamily="18" charset="0"/>
-                <a:cs typeface="Times New Roman" panose="02020603050405020304" pitchFamily="18" charset="0"/>
-              </a:rPr>
-              <a:t>заказов</a:t>
+              <a:t>особенностей подачи заказов</a:t>
             </a:r>
             <a:r>
               <a:rPr lang="en-US" sz="2200" dirty="0" smtClean="0">
@@ -9925,7 +9933,21 @@
                 <a:latin typeface="Times New Roman" panose="02020603050405020304" pitchFamily="18" charset="0"/>
                 <a:cs typeface="Times New Roman" panose="02020603050405020304" pitchFamily="18" charset="0"/>
               </a:rPr>
-              <a:t>подсистема управления сетью ресторанов быстрого питания, направлена на предприятия, которые помогу автоматизировать ведение и учет поставок продуктов, а так же ускорить подачу готовых блюд.</a:t>
+              <a:t>подсистема управления сетью ресторанов быстрого питания, направлена на предприятия, которые </a:t>
+            </a:r>
+            <a:r>
+              <a:rPr lang="ru-RU" sz="2000" dirty="0" smtClean="0">
+                <a:latin typeface="Times New Roman" panose="02020603050405020304" pitchFamily="18" charset="0"/>
+                <a:cs typeface="Times New Roman" panose="02020603050405020304" pitchFamily="18" charset="0"/>
+              </a:rPr>
+              <a:t>помогут </a:t>
+            </a:r>
+            <a:r>
+              <a:rPr lang="ru-RU" sz="2000" dirty="0" smtClean="0">
+                <a:latin typeface="Times New Roman" panose="02020603050405020304" pitchFamily="18" charset="0"/>
+                <a:cs typeface="Times New Roman" panose="02020603050405020304" pitchFamily="18" charset="0"/>
+              </a:rPr>
+              <a:t>автоматизировать ведение и учет поставок продуктов, а так же ускорить подачу готовых блюд.</a:t>
             </a:r>
             <a:endParaRPr lang="ru-RU" dirty="0">
               <a:latin typeface="Times New Roman" panose="02020603050405020304" pitchFamily="18" charset="0"/>
@@ -10280,7 +10302,7 @@
       </p:sp>
       <p:pic>
         <p:nvPicPr>
-          <p:cNvPr id="5" name="Рисунок 4"/>
+          <p:cNvPr id="3" name="Рисунок 2"/>
           <p:cNvPicPr>
             <a:picLocks noChangeAspect="1"/>
           </p:cNvPicPr>
@@ -10300,8 +10322,8 @@
         </p:blipFill>
         <p:spPr>
           <a:xfrm>
-            <a:off x="2017966" y="1686155"/>
-            <a:ext cx="10016709" cy="2682326"/>
+            <a:off x="350822" y="1440010"/>
+            <a:ext cx="2495819" cy="2631729"/>
           </a:xfrm>
           <a:prstGeom prst="rect">
             <a:avLst/>
@@ -10310,7 +10332,7 @@
       </p:pic>
       <p:pic>
         <p:nvPicPr>
-          <p:cNvPr id="6" name="Рисунок 5"/>
+          <p:cNvPr id="4" name="Рисунок 3"/>
           <p:cNvPicPr>
             <a:picLocks noChangeAspect="1"/>
           </p:cNvPicPr>
@@ -10330,8 +10352,8 @@
         </p:blipFill>
         <p:spPr>
           <a:xfrm>
-            <a:off x="122226" y="1686155"/>
-            <a:ext cx="1895740" cy="2019582"/>
+            <a:off x="2846641" y="1440010"/>
+            <a:ext cx="9240584" cy="5370595"/>
           </a:xfrm>
           <a:prstGeom prst="rect">
             <a:avLst/>
